--- a/CS4210/finalPresentation.pptx
+++ b/CS4210/finalPresentation.pptx
@@ -12884,7 +12884,7 @@
                 <a:ea typeface="+mn-lt"/>
                 <a:cs typeface="+mn-lt"/>
               </a:rPr>
-              <a:t>Logistical Challenges: Aerodynamics Dept. Paperwork</a:t>
+              <a:t>Logistical Challenges: Aerospace Dept. Paperwork</a:t>
             </a:r>
           </a:p>
           <a:p>
@@ -13400,7 +13400,7 @@
                 <a:ea typeface="+mn-lt"/>
                 <a:cs typeface="+mn-lt"/>
               </a:rPr>
-              <a:t>Logistical Challenges: Aerodynamics Dept. Paperwork</a:t>
+              <a:t>Logistical Challenges: Aerospace Dept. Paperwork</a:t>
             </a:r>
           </a:p>
           <a:p>
@@ -14818,7 +14818,7 @@
                 <a:ea typeface="+mn-lt"/>
                 <a:cs typeface="+mn-lt"/>
               </a:rPr>
-              <a:t>Logistical Challenges: Aerodynamics Dept. Paperwork</a:t>
+              <a:t>Logistical Challenges: Aerospace Dept. Paperwork</a:t>
             </a:r>
           </a:p>
           <a:p>
@@ -14884,12 +14884,16 @@
           <a:p>
             <a:pPr lvl="1" algn="l"/>
             <a:r>
-              <a:rPr lang="en-US" dirty="0">
+              <a:rPr lang="en-US">
                 <a:ea typeface="+mn-lt"/>
                 <a:cs typeface="+mn-lt"/>
               </a:rPr>
               <a:t>Loss of contact with previously experienced students</a:t>
             </a:r>
+            <a:endParaRPr lang="en-US" dirty="0">
+              <a:ea typeface="+mn-lt"/>
+              <a:cs typeface="+mn-lt"/>
+            </a:endParaRPr>
           </a:p>
         </p:txBody>
       </p:sp>

--- a/CS4210/finalPresentation.pptx
+++ b/CS4210/finalPresentation.pptx
@@ -2217,7 +2217,7 @@
           <a:bodyPr/>
           <a:lstStyle/>
           <a:p>
-            <a:endParaRPr lang="en-US"/>
+            <a:endParaRPr lang="en-US" dirty="0"/>
           </a:p>
         </p:txBody>
       </p:sp>
@@ -10004,7 +10004,7 @@
                 <a:ea typeface="+mn-lt"/>
                 <a:cs typeface="+mn-lt"/>
               </a:rPr>
-              <a:t>Create a virtual assistant for the SUAS project, leveraging project documentation such as RFP, Reports, Student Documentation, etc. to streamline information access over years and decades.</a:t>
+              <a:t>Create a virtual assistant for the CPP SUAS project, leveraging project documentation such as RFP, Reports, Student Documentation, etc. to streamline information access over years and decades.</a:t>
             </a:r>
             <a:endParaRPr lang="en-US" sz="2800" dirty="0"/>
           </a:p>
@@ -11348,14 +11348,14 @@
           </a:lstStyle>
           <a:p>
             <a:r>
-              <a:rPr lang="en-US" sz="2800">
+              <a:rPr lang="en-US" sz="2800" dirty="0">
                 <a:ea typeface="+mn-lt"/>
                 <a:cs typeface="+mn-lt"/>
               </a:rPr>
               <a:t>Create a </a:t>
             </a:r>
             <a:r>
-              <a:rPr lang="en-US" sz="2800" b="1">
+              <a:rPr lang="en-US" sz="2800" b="1" dirty="0">
                 <a:solidFill>
                   <a:srgbClr val="FFC000"/>
                 </a:solidFill>
@@ -11365,31 +11365,31 @@
               <a:t>virtual assistant </a:t>
             </a:r>
             <a:r>
-              <a:rPr lang="en-US" sz="2800">
-                <a:ea typeface="+mn-lt"/>
-                <a:cs typeface="+mn-lt"/>
-              </a:rPr>
-              <a:t>for the SUAS project, </a:t>
-            </a:r>
-            <a:r>
-              <a:rPr lang="en-US" sz="2800" b="1">
+              <a:rPr lang="en-US" sz="2800" dirty="0">
+                <a:ea typeface="+mn-lt"/>
+                <a:cs typeface="+mn-lt"/>
+              </a:rPr>
+              <a:t>for the CPP SUAS project, leveraging </a:t>
+            </a:r>
+            <a:r>
+              <a:rPr lang="en-US" sz="2800" b="1" dirty="0">
                 <a:solidFill>
                   <a:srgbClr val="FFC000"/>
                 </a:solidFill>
                 <a:ea typeface="+mn-lt"/>
                 <a:cs typeface="+mn-lt"/>
               </a:rPr>
-              <a:t>leveraging project documentation </a:t>
-            </a:r>
-            <a:r>
-              <a:rPr lang="en-US" sz="2800">
+              <a:t>project documentation </a:t>
+            </a:r>
+            <a:r>
+              <a:rPr lang="en-US" sz="2800" dirty="0">
                 <a:ea typeface="+mn-lt"/>
                 <a:cs typeface="+mn-lt"/>
               </a:rPr>
               <a:t>such as RFP, Reports, Student Documentation, etc. </a:t>
             </a:r>
             <a:r>
-              <a:rPr lang="en-US" sz="2800" b="1">
+              <a:rPr lang="en-US" sz="2800" b="1" dirty="0">
                 <a:solidFill>
                   <a:srgbClr val="FFC000"/>
                 </a:solidFill>
@@ -11399,16 +11399,16 @@
               <a:t>to streamline information access </a:t>
             </a:r>
             <a:r>
-              <a:rPr lang="en-US" sz="2800">
+              <a:rPr lang="en-US" sz="2800" dirty="0">
                 <a:ea typeface="+mn-lt"/>
                 <a:cs typeface="+mn-lt"/>
               </a:rPr>
               <a:t>over years and decades.</a:t>
             </a:r>
-            <a:endParaRPr lang="en-US" sz="2800"/>
-          </a:p>
-          <a:p>
-            <a:endParaRPr lang="en-US" sz="2800"/>
+            <a:endParaRPr lang="en-US" sz="2800" dirty="0"/>
+          </a:p>
+          <a:p>
+            <a:endParaRPr lang="en-US" sz="2800" dirty="0"/>
           </a:p>
         </p:txBody>
       </p:sp>
@@ -12251,14 +12251,14 @@
           </a:lstStyle>
           <a:p>
             <a:r>
-              <a:rPr lang="en-US" sz="2800">
+              <a:rPr lang="en-US" sz="2800" dirty="0">
                 <a:ea typeface="+mn-lt"/>
                 <a:cs typeface="+mn-lt"/>
               </a:rPr>
               <a:t>Create a </a:t>
             </a:r>
             <a:r>
-              <a:rPr lang="en-US" sz="2800" b="1">
+              <a:rPr lang="en-US" sz="2800" b="1" dirty="0">
                 <a:solidFill>
                   <a:srgbClr val="FFC000"/>
                 </a:solidFill>
@@ -12268,31 +12268,31 @@
               <a:t>virtual assistant </a:t>
             </a:r>
             <a:r>
-              <a:rPr lang="en-US" sz="2800">
-                <a:ea typeface="+mn-lt"/>
-                <a:cs typeface="+mn-lt"/>
-              </a:rPr>
-              <a:t>for the SUAS project, </a:t>
-            </a:r>
-            <a:r>
-              <a:rPr lang="en-US" sz="2800" b="1">
+              <a:rPr lang="en-US" sz="2800" dirty="0">
+                <a:ea typeface="+mn-lt"/>
+                <a:cs typeface="+mn-lt"/>
+              </a:rPr>
+              <a:t>for the CPP SUAS project, leveraging </a:t>
+            </a:r>
+            <a:r>
+              <a:rPr lang="en-US" sz="2800" b="1" dirty="0">
                 <a:solidFill>
                   <a:srgbClr val="FFC000"/>
                 </a:solidFill>
                 <a:ea typeface="+mn-lt"/>
                 <a:cs typeface="+mn-lt"/>
               </a:rPr>
-              <a:t>leveraging project documentation </a:t>
-            </a:r>
-            <a:r>
-              <a:rPr lang="en-US" sz="2800">
+              <a:t>project documentation </a:t>
+            </a:r>
+            <a:r>
+              <a:rPr lang="en-US" sz="2800" dirty="0">
                 <a:ea typeface="+mn-lt"/>
                 <a:cs typeface="+mn-lt"/>
               </a:rPr>
               <a:t>such as RFP, Reports, Student Documentation, etc. </a:t>
             </a:r>
             <a:r>
-              <a:rPr lang="en-US" sz="2800" b="1">
+              <a:rPr lang="en-US" sz="2800" b="1" dirty="0">
                 <a:solidFill>
                   <a:srgbClr val="FFC000"/>
                 </a:solidFill>
@@ -12302,16 +12302,16 @@
               <a:t>to streamline information access </a:t>
             </a:r>
             <a:r>
-              <a:rPr lang="en-US" sz="2800">
+              <a:rPr lang="en-US" sz="2800" dirty="0">
                 <a:ea typeface="+mn-lt"/>
                 <a:cs typeface="+mn-lt"/>
               </a:rPr>
               <a:t>over years and decades.</a:t>
             </a:r>
-            <a:endParaRPr lang="en-US" sz="2800"/>
-          </a:p>
-          <a:p>
-            <a:endParaRPr lang="en-US" sz="2800"/>
+            <a:endParaRPr lang="en-US" sz="2800" dirty="0"/>
+          </a:p>
+          <a:p>
+            <a:endParaRPr lang="en-US" sz="2800" dirty="0"/>
           </a:p>
         </p:txBody>
       </p:sp>
@@ -31402,209 +31402,6 @@
           </a:p>
         </p:txBody>
       </p:sp>
-      <p:sp>
-        <p:nvSpPr>
-          <p:cNvPr id="10" name="Content Placeholder 2">
-            <a:extLst>
-              <a:ext uri="{FF2B5EF4-FFF2-40B4-BE49-F238E27FC236}">
-                <a16:creationId xmlns:a16="http://schemas.microsoft.com/office/drawing/2014/main" id="{11D2248A-649F-FCA5-F5BA-0619FB23520E}"/>
-              </a:ext>
-            </a:extLst>
-          </p:cNvPr>
-          <p:cNvSpPr txBox="1">
-            <a:spLocks/>
-          </p:cNvSpPr>
-          <p:nvPr/>
-        </p:nvSpPr>
-        <p:spPr>
-          <a:xfrm>
-            <a:off x="4290646" y="19457964"/>
-            <a:ext cx="3610706" cy="1066800"/>
-          </a:xfrm>
-          <a:prstGeom prst="rect">
-            <a:avLst/>
-          </a:prstGeom>
-        </p:spPr>
-        <p:txBody>
-          <a:bodyPr vert="horz" lIns="91440" tIns="45720" rIns="91440" bIns="45720" rtlCol="0" anchor="ctr">
-            <a:normAutofit/>
-          </a:bodyPr>
-          <a:lstStyle>
-            <a:lvl1pPr marL="0" indent="0" algn="ctr" defTabSz="914400" rtl="0" eaLnBrk="1" latinLnBrk="0" hangingPunct="1">
-              <a:lnSpc>
-                <a:spcPct val="90000"/>
-              </a:lnSpc>
-              <a:spcBef>
-                <a:spcPts val="1000"/>
-              </a:spcBef>
-              <a:buFont typeface="Arial" panose="020B0604020202020204" pitchFamily="34" charset="0"/>
-              <a:buNone/>
-              <a:defRPr sz="2400" kern="1200">
-                <a:solidFill>
-                  <a:schemeClr val="bg1"/>
-                </a:solidFill>
-                <a:latin typeface="Corbel Light" panose="020B0303020204020204" pitchFamily="34" charset="0"/>
-                <a:ea typeface="+mn-ea"/>
-                <a:cs typeface="+mn-cs"/>
-              </a:defRPr>
-            </a:lvl1pPr>
-            <a:lvl2pPr marL="457200" indent="0" algn="ctr" defTabSz="914400" rtl="0" eaLnBrk="1" latinLnBrk="0" hangingPunct="1">
-              <a:lnSpc>
-                <a:spcPct val="90000"/>
-              </a:lnSpc>
-              <a:spcBef>
-                <a:spcPts val="500"/>
-              </a:spcBef>
-              <a:buFont typeface="Arial" panose="020B0604020202020204" pitchFamily="34" charset="0"/>
-              <a:buNone/>
-              <a:defRPr sz="2000" kern="1200">
-                <a:solidFill>
-                  <a:schemeClr val="bg1"/>
-                </a:solidFill>
-                <a:latin typeface="Corbel Light" panose="020B0303020204020204" pitchFamily="34" charset="0"/>
-                <a:ea typeface="+mn-ea"/>
-                <a:cs typeface="+mn-cs"/>
-              </a:defRPr>
-            </a:lvl2pPr>
-            <a:lvl3pPr marL="914400" indent="0" algn="ctr" defTabSz="914400" rtl="0" eaLnBrk="1" latinLnBrk="0" hangingPunct="1">
-              <a:lnSpc>
-                <a:spcPct val="90000"/>
-              </a:lnSpc>
-              <a:spcBef>
-                <a:spcPts val="500"/>
-              </a:spcBef>
-              <a:buFont typeface="Arial" panose="020B0604020202020204" pitchFamily="34" charset="0"/>
-              <a:buNone/>
-              <a:defRPr sz="1800" kern="1200">
-                <a:solidFill>
-                  <a:schemeClr val="bg1"/>
-                </a:solidFill>
-                <a:latin typeface="Corbel Light" panose="020B0303020204020204" pitchFamily="34" charset="0"/>
-                <a:ea typeface="+mn-ea"/>
-                <a:cs typeface="+mn-cs"/>
-              </a:defRPr>
-            </a:lvl3pPr>
-            <a:lvl4pPr marL="1371600" indent="0" algn="ctr" defTabSz="914400" rtl="0" eaLnBrk="1" latinLnBrk="0" hangingPunct="1">
-              <a:lnSpc>
-                <a:spcPct val="90000"/>
-              </a:lnSpc>
-              <a:spcBef>
-                <a:spcPts val="500"/>
-              </a:spcBef>
-              <a:buFont typeface="Arial" panose="020B0604020202020204" pitchFamily="34" charset="0"/>
-              <a:buNone/>
-              <a:defRPr sz="1600" kern="1200">
-                <a:solidFill>
-                  <a:schemeClr val="bg1"/>
-                </a:solidFill>
-                <a:latin typeface="Corbel Light" panose="020B0303020204020204" pitchFamily="34" charset="0"/>
-                <a:ea typeface="+mn-ea"/>
-                <a:cs typeface="+mn-cs"/>
-              </a:defRPr>
-            </a:lvl4pPr>
-            <a:lvl5pPr marL="1828800" indent="0" algn="ctr" defTabSz="914400" rtl="0" eaLnBrk="1" latinLnBrk="0" hangingPunct="1">
-              <a:lnSpc>
-                <a:spcPct val="90000"/>
-              </a:lnSpc>
-              <a:spcBef>
-                <a:spcPts val="500"/>
-              </a:spcBef>
-              <a:buFont typeface="Arial" panose="020B0604020202020204" pitchFamily="34" charset="0"/>
-              <a:buNone/>
-              <a:defRPr sz="1600" kern="1200">
-                <a:solidFill>
-                  <a:schemeClr val="bg1"/>
-                </a:solidFill>
-                <a:latin typeface="Corbel Light" panose="020B0303020204020204" pitchFamily="34" charset="0"/>
-                <a:ea typeface="+mn-ea"/>
-                <a:cs typeface="+mn-cs"/>
-              </a:defRPr>
-            </a:lvl5pPr>
-            <a:lvl6pPr marL="2286000" indent="0" algn="ctr" defTabSz="914400" rtl="0" eaLnBrk="1" latinLnBrk="0" hangingPunct="1">
-              <a:lnSpc>
-                <a:spcPct val="90000"/>
-              </a:lnSpc>
-              <a:spcBef>
-                <a:spcPts val="500"/>
-              </a:spcBef>
-              <a:buFont typeface="Arial" panose="020B0604020202020204" pitchFamily="34" charset="0"/>
-              <a:buNone/>
-              <a:defRPr sz="1600" kern="1200">
-                <a:solidFill>
-                  <a:schemeClr val="tx1"/>
-                </a:solidFill>
-                <a:latin typeface="+mn-lt"/>
-                <a:ea typeface="+mn-ea"/>
-                <a:cs typeface="+mn-cs"/>
-              </a:defRPr>
-            </a:lvl6pPr>
-            <a:lvl7pPr marL="2743200" indent="0" algn="ctr" defTabSz="914400" rtl="0" eaLnBrk="1" latinLnBrk="0" hangingPunct="1">
-              <a:lnSpc>
-                <a:spcPct val="90000"/>
-              </a:lnSpc>
-              <a:spcBef>
-                <a:spcPts val="500"/>
-              </a:spcBef>
-              <a:buFont typeface="Arial" panose="020B0604020202020204" pitchFamily="34" charset="0"/>
-              <a:buNone/>
-              <a:defRPr sz="1600" kern="1200">
-                <a:solidFill>
-                  <a:schemeClr val="tx1"/>
-                </a:solidFill>
-                <a:latin typeface="+mn-lt"/>
-                <a:ea typeface="+mn-ea"/>
-                <a:cs typeface="+mn-cs"/>
-              </a:defRPr>
-            </a:lvl7pPr>
-            <a:lvl8pPr marL="3200400" indent="0" algn="ctr" defTabSz="914400" rtl="0" eaLnBrk="1" latinLnBrk="0" hangingPunct="1">
-              <a:lnSpc>
-                <a:spcPct val="90000"/>
-              </a:lnSpc>
-              <a:spcBef>
-                <a:spcPts val="500"/>
-              </a:spcBef>
-              <a:buFont typeface="Arial" panose="020B0604020202020204" pitchFamily="34" charset="0"/>
-              <a:buNone/>
-              <a:defRPr sz="1600" kern="1200">
-                <a:solidFill>
-                  <a:schemeClr val="tx1"/>
-                </a:solidFill>
-                <a:latin typeface="+mn-lt"/>
-                <a:ea typeface="+mn-ea"/>
-                <a:cs typeface="+mn-cs"/>
-              </a:defRPr>
-            </a:lvl8pPr>
-            <a:lvl9pPr marL="3657600" indent="0" algn="ctr" defTabSz="914400" rtl="0" eaLnBrk="1" latinLnBrk="0" hangingPunct="1">
-              <a:lnSpc>
-                <a:spcPct val="90000"/>
-              </a:lnSpc>
-              <a:spcBef>
-                <a:spcPts val="500"/>
-              </a:spcBef>
-              <a:buFont typeface="Arial" panose="020B0604020202020204" pitchFamily="34" charset="0"/>
-              <a:buNone/>
-              <a:defRPr sz="1600" kern="1200">
-                <a:solidFill>
-                  <a:schemeClr val="tx1"/>
-                </a:solidFill>
-                <a:latin typeface="+mn-lt"/>
-                <a:ea typeface="+mn-ea"/>
-                <a:cs typeface="+mn-cs"/>
-              </a:defRPr>
-            </a:lvl9pPr>
-          </a:lstStyle>
-          <a:p>
-            <a:r>
-              <a:rPr lang="en-US" sz="6000" b="1" dirty="0">
-                <a:latin typeface="All rights reserved" panose="02000000000000000000" pitchFamily="2" charset="0"/>
-                <a:ea typeface="+mn-lt"/>
-                <a:cs typeface="+mn-lt"/>
-              </a:rPr>
-              <a:t>Questions?</a:t>
-            </a:r>
-          </a:p>
-        </p:txBody>
-      </p:sp>
       <p:pic>
         <p:nvPicPr>
           <p:cNvPr id="13" name="Graphic 12">
@@ -31785,6 +31582,209 @@
           </a:prstGeom>
         </p:spPr>
       </p:pic>
+      <p:sp>
+        <p:nvSpPr>
+          <p:cNvPr id="18" name="Content Placeholder 2">
+            <a:extLst>
+              <a:ext uri="{FF2B5EF4-FFF2-40B4-BE49-F238E27FC236}">
+                <a16:creationId xmlns:a16="http://schemas.microsoft.com/office/drawing/2014/main" id="{A3BFD0D6-C900-4FEA-3A2B-EDFB0F94B2D2}"/>
+              </a:ext>
+            </a:extLst>
+          </p:cNvPr>
+          <p:cNvSpPr txBox="1">
+            <a:spLocks/>
+          </p:cNvSpPr>
+          <p:nvPr/>
+        </p:nvSpPr>
+        <p:spPr>
+          <a:xfrm>
+            <a:off x="4290646" y="19209548"/>
+            <a:ext cx="3610706" cy="1066800"/>
+          </a:xfrm>
+          <a:prstGeom prst="rect">
+            <a:avLst/>
+          </a:prstGeom>
+        </p:spPr>
+        <p:txBody>
+          <a:bodyPr vert="horz" lIns="91440" tIns="45720" rIns="91440" bIns="45720" rtlCol="0" anchor="ctr">
+            <a:normAutofit fontScale="92500"/>
+          </a:bodyPr>
+          <a:lstStyle>
+            <a:lvl1pPr marL="0" indent="0" algn="ctr" defTabSz="914400" rtl="0" eaLnBrk="1" latinLnBrk="0" hangingPunct="1">
+              <a:lnSpc>
+                <a:spcPct val="90000"/>
+              </a:lnSpc>
+              <a:spcBef>
+                <a:spcPts val="1000"/>
+              </a:spcBef>
+              <a:buFont typeface="Arial" panose="020B0604020202020204" pitchFamily="34" charset="0"/>
+              <a:buNone/>
+              <a:defRPr sz="2400" kern="1200">
+                <a:solidFill>
+                  <a:schemeClr val="bg1"/>
+                </a:solidFill>
+                <a:latin typeface="Corbel Light" panose="020B0303020204020204" pitchFamily="34" charset="0"/>
+                <a:ea typeface="+mn-ea"/>
+                <a:cs typeface="+mn-cs"/>
+              </a:defRPr>
+            </a:lvl1pPr>
+            <a:lvl2pPr marL="457200" indent="0" algn="ctr" defTabSz="914400" rtl="0" eaLnBrk="1" latinLnBrk="0" hangingPunct="1">
+              <a:lnSpc>
+                <a:spcPct val="90000"/>
+              </a:lnSpc>
+              <a:spcBef>
+                <a:spcPts val="500"/>
+              </a:spcBef>
+              <a:buFont typeface="Arial" panose="020B0604020202020204" pitchFamily="34" charset="0"/>
+              <a:buNone/>
+              <a:defRPr sz="2000" kern="1200">
+                <a:solidFill>
+                  <a:schemeClr val="bg1"/>
+                </a:solidFill>
+                <a:latin typeface="Corbel Light" panose="020B0303020204020204" pitchFamily="34" charset="0"/>
+                <a:ea typeface="+mn-ea"/>
+                <a:cs typeface="+mn-cs"/>
+              </a:defRPr>
+            </a:lvl2pPr>
+            <a:lvl3pPr marL="914400" indent="0" algn="ctr" defTabSz="914400" rtl="0" eaLnBrk="1" latinLnBrk="0" hangingPunct="1">
+              <a:lnSpc>
+                <a:spcPct val="90000"/>
+              </a:lnSpc>
+              <a:spcBef>
+                <a:spcPts val="500"/>
+              </a:spcBef>
+              <a:buFont typeface="Arial" panose="020B0604020202020204" pitchFamily="34" charset="0"/>
+              <a:buNone/>
+              <a:defRPr sz="1800" kern="1200">
+                <a:solidFill>
+                  <a:schemeClr val="bg1"/>
+                </a:solidFill>
+                <a:latin typeface="Corbel Light" panose="020B0303020204020204" pitchFamily="34" charset="0"/>
+                <a:ea typeface="+mn-ea"/>
+                <a:cs typeface="+mn-cs"/>
+              </a:defRPr>
+            </a:lvl3pPr>
+            <a:lvl4pPr marL="1371600" indent="0" algn="ctr" defTabSz="914400" rtl="0" eaLnBrk="1" latinLnBrk="0" hangingPunct="1">
+              <a:lnSpc>
+                <a:spcPct val="90000"/>
+              </a:lnSpc>
+              <a:spcBef>
+                <a:spcPts val="500"/>
+              </a:spcBef>
+              <a:buFont typeface="Arial" panose="020B0604020202020204" pitchFamily="34" charset="0"/>
+              <a:buNone/>
+              <a:defRPr sz="1600" kern="1200">
+                <a:solidFill>
+                  <a:schemeClr val="bg1"/>
+                </a:solidFill>
+                <a:latin typeface="Corbel Light" panose="020B0303020204020204" pitchFamily="34" charset="0"/>
+                <a:ea typeface="+mn-ea"/>
+                <a:cs typeface="+mn-cs"/>
+              </a:defRPr>
+            </a:lvl4pPr>
+            <a:lvl5pPr marL="1828800" indent="0" algn="ctr" defTabSz="914400" rtl="0" eaLnBrk="1" latinLnBrk="0" hangingPunct="1">
+              <a:lnSpc>
+                <a:spcPct val="90000"/>
+              </a:lnSpc>
+              <a:spcBef>
+                <a:spcPts val="500"/>
+              </a:spcBef>
+              <a:buFont typeface="Arial" panose="020B0604020202020204" pitchFamily="34" charset="0"/>
+              <a:buNone/>
+              <a:defRPr sz="1600" kern="1200">
+                <a:solidFill>
+                  <a:schemeClr val="bg1"/>
+                </a:solidFill>
+                <a:latin typeface="Corbel Light" panose="020B0303020204020204" pitchFamily="34" charset="0"/>
+                <a:ea typeface="+mn-ea"/>
+                <a:cs typeface="+mn-cs"/>
+              </a:defRPr>
+            </a:lvl5pPr>
+            <a:lvl6pPr marL="2286000" indent="0" algn="ctr" defTabSz="914400" rtl="0" eaLnBrk="1" latinLnBrk="0" hangingPunct="1">
+              <a:lnSpc>
+                <a:spcPct val="90000"/>
+              </a:lnSpc>
+              <a:spcBef>
+                <a:spcPts val="500"/>
+              </a:spcBef>
+              <a:buFont typeface="Arial" panose="020B0604020202020204" pitchFamily="34" charset="0"/>
+              <a:buNone/>
+              <a:defRPr sz="1600" kern="1200">
+                <a:solidFill>
+                  <a:schemeClr val="tx1"/>
+                </a:solidFill>
+                <a:latin typeface="+mn-lt"/>
+                <a:ea typeface="+mn-ea"/>
+                <a:cs typeface="+mn-cs"/>
+              </a:defRPr>
+            </a:lvl6pPr>
+            <a:lvl7pPr marL="2743200" indent="0" algn="ctr" defTabSz="914400" rtl="0" eaLnBrk="1" latinLnBrk="0" hangingPunct="1">
+              <a:lnSpc>
+                <a:spcPct val="90000"/>
+              </a:lnSpc>
+              <a:spcBef>
+                <a:spcPts val="500"/>
+              </a:spcBef>
+              <a:buFont typeface="Arial" panose="020B0604020202020204" pitchFamily="34" charset="0"/>
+              <a:buNone/>
+              <a:defRPr sz="1600" kern="1200">
+                <a:solidFill>
+                  <a:schemeClr val="tx1"/>
+                </a:solidFill>
+                <a:latin typeface="+mn-lt"/>
+                <a:ea typeface="+mn-ea"/>
+                <a:cs typeface="+mn-cs"/>
+              </a:defRPr>
+            </a:lvl7pPr>
+            <a:lvl8pPr marL="3200400" indent="0" algn="ctr" defTabSz="914400" rtl="0" eaLnBrk="1" latinLnBrk="0" hangingPunct="1">
+              <a:lnSpc>
+                <a:spcPct val="90000"/>
+              </a:lnSpc>
+              <a:spcBef>
+                <a:spcPts val="500"/>
+              </a:spcBef>
+              <a:buFont typeface="Arial" panose="020B0604020202020204" pitchFamily="34" charset="0"/>
+              <a:buNone/>
+              <a:defRPr sz="1600" kern="1200">
+                <a:solidFill>
+                  <a:schemeClr val="tx1"/>
+                </a:solidFill>
+                <a:latin typeface="+mn-lt"/>
+                <a:ea typeface="+mn-ea"/>
+                <a:cs typeface="+mn-cs"/>
+              </a:defRPr>
+            </a:lvl8pPr>
+            <a:lvl9pPr marL="3657600" indent="0" algn="ctr" defTabSz="914400" rtl="0" eaLnBrk="1" latinLnBrk="0" hangingPunct="1">
+              <a:lnSpc>
+                <a:spcPct val="90000"/>
+              </a:lnSpc>
+              <a:spcBef>
+                <a:spcPts val="500"/>
+              </a:spcBef>
+              <a:buFont typeface="Arial" panose="020B0604020202020204" pitchFamily="34" charset="0"/>
+              <a:buNone/>
+              <a:defRPr sz="1600" kern="1200">
+                <a:solidFill>
+                  <a:schemeClr val="tx1"/>
+                </a:solidFill>
+                <a:latin typeface="+mn-lt"/>
+                <a:ea typeface="+mn-ea"/>
+                <a:cs typeface="+mn-cs"/>
+              </a:defRPr>
+            </a:lvl9pPr>
+          </a:lstStyle>
+          <a:p>
+            <a:r>
+              <a:rPr lang="en-US" sz="6000" b="1" dirty="0">
+                <a:latin typeface="Old English Text MT" panose="03040902040508030806" pitchFamily="66" charset="0"/>
+                <a:ea typeface="+mn-lt"/>
+                <a:cs typeface="+mn-lt"/>
+              </a:rPr>
+              <a:t>Questions?</a:t>
+            </a:r>
+          </a:p>
+        </p:txBody>
+      </p:sp>
     </p:spTree>
     <p:extLst>
       <p:ext uri="{BB962C8B-B14F-4D97-AF65-F5344CB8AC3E}">
@@ -31987,7 +31987,7 @@
         </p:nvSpPr>
         <p:spPr>
           <a:xfrm>
-            <a:off x="4290646" y="2895600"/>
+            <a:off x="4290646" y="3093248"/>
             <a:ext cx="3610706" cy="1066800"/>
           </a:xfrm>
           <a:prstGeom prst="rect">
@@ -31996,7 +31996,7 @@
         </p:spPr>
         <p:txBody>
           <a:bodyPr vert="horz" lIns="91440" tIns="45720" rIns="91440" bIns="45720" rtlCol="0" anchor="ctr">
-            <a:normAutofit/>
+            <a:normAutofit fontScale="92500"/>
           </a:bodyPr>
           <a:lstStyle>
             <a:lvl1pPr marL="0" indent="0" algn="ctr" defTabSz="914400" rtl="0" eaLnBrk="1" latinLnBrk="0" hangingPunct="1">
@@ -32165,7 +32165,7 @@
           <a:p>
             <a:r>
               <a:rPr lang="en-US" sz="6000" b="1" dirty="0">
-                <a:latin typeface="All rights reserved" panose="02000000000000000000" pitchFamily="2" charset="0"/>
+                <a:latin typeface="Old English Text MT" panose="03040902040508030806" pitchFamily="66" charset="0"/>
                 <a:ea typeface="+mn-lt"/>
                 <a:cs typeface="+mn-lt"/>
               </a:rPr>

--- a/CS4210/finalPresentation.pptx
+++ b/CS4210/finalPresentation.pptx
@@ -233,7 +233,7 @@
           <a:p>
             <a:fld id="{9C87C53B-36B6-489C-BE64-598A140491DD}" type="datetimeFigureOut">
               <a:rPr lang="en-US" smtClean="0"/>
-              <a:t>5/13/2024</a:t>
+              <a:t>5/14/2024</a:t>
             </a:fld>
             <a:endParaRPr lang="en-US"/>
           </a:p>
@@ -3202,7 +3202,7 @@
           <a:p>
             <a:fld id="{AD76DE2C-ADBB-4C47-9960-C3B8264C0560}" type="datetimeFigureOut">
               <a:rPr lang="en-US" smtClean="0"/>
-              <a:t>5/13/2024</a:t>
+              <a:t>5/14/2024</a:t>
             </a:fld>
             <a:endParaRPr lang="en-US"/>
           </a:p>
@@ -3372,7 +3372,7 @@
           <a:p>
             <a:fld id="{AD76DE2C-ADBB-4C47-9960-C3B8264C0560}" type="datetimeFigureOut">
               <a:rPr lang="en-US" smtClean="0"/>
-              <a:t>5/13/2024</a:t>
+              <a:t>5/14/2024</a:t>
             </a:fld>
             <a:endParaRPr lang="en-US"/>
           </a:p>
@@ -3630,7 +3630,7 @@
           <a:p>
             <a:fld id="{AD76DE2C-ADBB-4C47-9960-C3B8264C0560}" type="datetimeFigureOut">
               <a:rPr lang="en-US" smtClean="0"/>
-              <a:t>5/13/2024</a:t>
+              <a:t>5/14/2024</a:t>
             </a:fld>
             <a:endParaRPr lang="en-US"/>
           </a:p>
@@ -3933,7 +3933,7 @@
             <a:fld id="{AD76DE2C-ADBB-4C47-9960-C3B8264C0560}" type="datetimeFigureOut">
               <a:rPr lang="en-US" smtClean="0"/>
               <a:pPr/>
-              <a:t>5/13/2024</a:t>
+              <a:t>5/14/2024</a:t>
             </a:fld>
             <a:endParaRPr lang="en-US"/>
           </a:p>
@@ -4228,7 +4228,7 @@
           <a:p>
             <a:fld id="{AD76DE2C-ADBB-4C47-9960-C3B8264C0560}" type="datetimeFigureOut">
               <a:rPr lang="en-US" smtClean="0"/>
-              <a:t>5/13/2024</a:t>
+              <a:t>5/14/2024</a:t>
             </a:fld>
             <a:endParaRPr lang="en-US"/>
           </a:p>
@@ -4465,7 +4465,7 @@
           <a:p>
             <a:fld id="{AD76DE2C-ADBB-4C47-9960-C3B8264C0560}" type="datetimeFigureOut">
               <a:rPr lang="en-US" smtClean="0"/>
-              <a:t>5/13/2024</a:t>
+              <a:t>5/14/2024</a:t>
             </a:fld>
             <a:endParaRPr lang="en-US"/>
           </a:p>
@@ -4891,7 +4891,7 @@
           <a:p>
             <a:fld id="{AD76DE2C-ADBB-4C47-9960-C3B8264C0560}" type="datetimeFigureOut">
               <a:rPr lang="en-US" smtClean="0"/>
-              <a:t>5/13/2024</a:t>
+              <a:t>5/14/2024</a:t>
             </a:fld>
             <a:endParaRPr lang="en-US"/>
           </a:p>
@@ -5051,7 +5051,7 @@
           <a:p>
             <a:fld id="{AD76DE2C-ADBB-4C47-9960-C3B8264C0560}" type="datetimeFigureOut">
               <a:rPr lang="en-US" smtClean="0"/>
-              <a:t>5/13/2024</a:t>
+              <a:t>5/14/2024</a:t>
             </a:fld>
             <a:endParaRPr lang="en-US"/>
           </a:p>
@@ -5211,7 +5211,7 @@
           <a:p>
             <a:fld id="{AD76DE2C-ADBB-4C47-9960-C3B8264C0560}" type="datetimeFigureOut">
               <a:rPr lang="en-US" smtClean="0"/>
-              <a:t>5/13/2024</a:t>
+              <a:t>5/14/2024</a:t>
             </a:fld>
             <a:endParaRPr lang="en-US"/>
           </a:p>
@@ -5525,7 +5525,7 @@
           <a:p>
             <a:fld id="{AD76DE2C-ADBB-4C47-9960-C3B8264C0560}" type="datetimeFigureOut">
               <a:rPr lang="en-US" smtClean="0"/>
-              <a:t>5/13/2024</a:t>
+              <a:t>5/14/2024</a:t>
             </a:fld>
             <a:endParaRPr lang="en-US"/>
           </a:p>
@@ -5816,7 +5816,7 @@
           <a:p>
             <a:fld id="{AD76DE2C-ADBB-4C47-9960-C3B8264C0560}" type="datetimeFigureOut">
               <a:rPr lang="en-US" smtClean="0"/>
-              <a:t>5/13/2024</a:t>
+              <a:t>5/14/2024</a:t>
             </a:fld>
             <a:endParaRPr lang="en-US"/>
           </a:p>
@@ -6095,7 +6095,7 @@
             <a:fld id="{AD76DE2C-ADBB-4C47-9960-C3B8264C0560}" type="datetimeFigureOut">
               <a:rPr lang="en-US" smtClean="0"/>
               <a:pPr/>
-              <a:t>5/13/2024</a:t>
+              <a:t>5/14/2024</a:t>
             </a:fld>
             <a:endParaRPr lang="en-US"/>
           </a:p>
@@ -8181,13 +8181,13 @@
   <p:clrMapOvr>
     <a:masterClrMapping/>
   </p:clrMapOvr>
-  <mc:AlternateContent xmlns:mc="http://schemas.openxmlformats.org/markup-compatibility/2006">
-    <mc:Choice xmlns:p159="http://schemas.microsoft.com/office/powerpoint/2015/09/main" Requires="p159">
+  <mc:AlternateContent xmlns:mc="http://schemas.openxmlformats.org/markup-compatibility/2006" xmlns:p159="http://schemas.microsoft.com/office/powerpoint/2015/09/main">
+    <mc:Choice Requires="p159">
       <p:transition xmlns:p14="http://schemas.microsoft.com/office/powerpoint/2010/main" spd="slow" p14:dur="2000">
         <p159:morph option="byObject"/>
       </p:transition>
     </mc:Choice>
-    <mc:Fallback>
+    <mc:Fallback xmlns="">
       <p:transition spd="slow">
         <p:fade/>
       </p:transition>
@@ -9561,13 +9561,13 @@
   <p:clrMapOvr>
     <a:masterClrMapping/>
   </p:clrMapOvr>
-  <mc:AlternateContent xmlns:mc="http://schemas.openxmlformats.org/markup-compatibility/2006">
-    <mc:Choice xmlns:p159="http://schemas.microsoft.com/office/powerpoint/2015/09/main" Requires="p159">
+  <mc:AlternateContent xmlns:mc="http://schemas.openxmlformats.org/markup-compatibility/2006" xmlns:p159="http://schemas.microsoft.com/office/powerpoint/2015/09/main">
+    <mc:Choice Requires="p159">
       <p:transition xmlns:p14="http://schemas.microsoft.com/office/powerpoint/2010/main" spd="slow" p14:dur="2000">
         <p159:morph option="byObject"/>
       </p:transition>
     </mc:Choice>
-    <mc:Fallback>
+    <mc:Fallback xmlns="">
       <p:transition spd="slow">
         <p:fade/>
       </p:transition>
@@ -10667,13 +10667,13 @@
   <p:clrMapOvr>
     <a:masterClrMapping/>
   </p:clrMapOvr>
-  <mc:AlternateContent xmlns:mc="http://schemas.openxmlformats.org/markup-compatibility/2006">
-    <mc:Choice xmlns:p159="http://schemas.microsoft.com/office/powerpoint/2015/09/main" Requires="p159">
+  <mc:AlternateContent xmlns:mc="http://schemas.openxmlformats.org/markup-compatibility/2006" xmlns:p159="http://schemas.microsoft.com/office/powerpoint/2015/09/main">
+    <mc:Choice Requires="p159">
       <p:transition xmlns:p14="http://schemas.microsoft.com/office/powerpoint/2010/main" spd="slow" p14:dur="2000">
         <p159:morph option="byObject"/>
       </p:transition>
     </mc:Choice>
-    <mc:Fallback>
+    <mc:Fallback xmlns="">
       <p:transition spd="slow">
         <p:fade/>
       </p:transition>
@@ -11846,13 +11846,13 @@
   <p:clrMapOvr>
     <a:masterClrMapping/>
   </p:clrMapOvr>
-  <mc:AlternateContent xmlns:mc="http://schemas.openxmlformats.org/markup-compatibility/2006">
-    <mc:Choice xmlns:p159="http://schemas.microsoft.com/office/powerpoint/2015/09/main" Requires="p159">
+  <mc:AlternateContent xmlns:mc="http://schemas.openxmlformats.org/markup-compatibility/2006" xmlns:p159="http://schemas.microsoft.com/office/powerpoint/2015/09/main">
+    <mc:Choice Requires="p159">
       <p:transition xmlns:p14="http://schemas.microsoft.com/office/powerpoint/2010/main" spd="slow" p14:dur="2000">
         <p159:morph option="byObject"/>
       </p:transition>
     </mc:Choice>
-    <mc:Fallback>
+    <mc:Fallback xmlns="">
       <p:transition spd="slow">
         <p:fade/>
       </p:transition>
@@ -12755,13 +12755,13 @@
   <p:clrMapOvr>
     <a:masterClrMapping/>
   </p:clrMapOvr>
-  <mc:AlternateContent xmlns:mc="http://schemas.openxmlformats.org/markup-compatibility/2006">
-    <mc:Choice xmlns:p159="http://schemas.microsoft.com/office/powerpoint/2015/09/main" Requires="p159">
+  <mc:AlternateContent xmlns:mc="http://schemas.openxmlformats.org/markup-compatibility/2006" xmlns:p159="http://schemas.microsoft.com/office/powerpoint/2015/09/main">
+    <mc:Choice Requires="p159">
       <p:transition xmlns:p14="http://schemas.microsoft.com/office/powerpoint/2010/main" spd="slow" p14:dur="2000">
         <p159:morph option="byObject"/>
       </p:transition>
     </mc:Choice>
-    <mc:Fallback>
+    <mc:Fallback xmlns="">
       <p:transition spd="slow">
         <p:fade/>
       </p:transition>
@@ -13938,13 +13938,13 @@
   <p:clrMapOvr>
     <a:masterClrMapping/>
   </p:clrMapOvr>
-  <mc:AlternateContent xmlns:mc="http://schemas.openxmlformats.org/markup-compatibility/2006">
-    <mc:Choice xmlns:p159="http://schemas.microsoft.com/office/powerpoint/2015/09/main" Requires="p159">
+  <mc:AlternateContent xmlns:mc="http://schemas.openxmlformats.org/markup-compatibility/2006" xmlns:p159="http://schemas.microsoft.com/office/powerpoint/2015/09/main">
+    <mc:Choice Requires="p159">
       <p:transition xmlns:p14="http://schemas.microsoft.com/office/powerpoint/2010/main" spd="slow" p14:dur="2000">
         <p159:morph option="byObject"/>
       </p:transition>
     </mc:Choice>
-    <mc:Fallback>
+    <mc:Fallback xmlns="">
       <p:transition spd="slow">
         <p:fade/>
       </p:transition>
@@ -15505,13 +15505,13 @@
   <p:clrMapOvr>
     <a:masterClrMapping/>
   </p:clrMapOvr>
-  <mc:AlternateContent xmlns:mc="http://schemas.openxmlformats.org/markup-compatibility/2006">
-    <mc:Choice xmlns:p159="http://schemas.microsoft.com/office/powerpoint/2015/09/main" Requires="p159">
+  <mc:AlternateContent xmlns:mc="http://schemas.openxmlformats.org/markup-compatibility/2006" xmlns:p159="http://schemas.microsoft.com/office/powerpoint/2015/09/main">
+    <mc:Choice Requires="p159">
       <p:transition xmlns:p14="http://schemas.microsoft.com/office/powerpoint/2010/main" spd="slow" p14:dur="2000">
         <p159:morph option="byObject"/>
       </p:transition>
     </mc:Choice>
-    <mc:Fallback>
+    <mc:Fallback xmlns="">
       <p:transition spd="slow">
         <p:fade/>
       </p:transition>
@@ -17076,13 +17076,13 @@
   <p:clrMapOvr>
     <a:masterClrMapping/>
   </p:clrMapOvr>
-  <mc:AlternateContent xmlns:mc="http://schemas.openxmlformats.org/markup-compatibility/2006">
-    <mc:Choice xmlns:p159="http://schemas.microsoft.com/office/powerpoint/2015/09/main" Requires="p159">
+  <mc:AlternateContent xmlns:mc="http://schemas.openxmlformats.org/markup-compatibility/2006" xmlns:p159="http://schemas.microsoft.com/office/powerpoint/2015/09/main">
+    <mc:Choice Requires="p159">
       <p:transition xmlns:p14="http://schemas.microsoft.com/office/powerpoint/2010/main" spd="slow" p14:dur="2000">
         <p159:morph option="byObject"/>
       </p:transition>
     </mc:Choice>
-    <mc:Fallback>
+    <mc:Fallback xmlns="">
       <p:transition spd="slow">
         <p:fade/>
       </p:transition>
@@ -17962,13 +17962,13 @@
   <p:clrMapOvr>
     <a:masterClrMapping/>
   </p:clrMapOvr>
-  <mc:AlternateContent xmlns:mc="http://schemas.openxmlformats.org/markup-compatibility/2006">
-    <mc:Choice xmlns:p159="http://schemas.microsoft.com/office/powerpoint/2015/09/main" Requires="p159">
+  <mc:AlternateContent xmlns:mc="http://schemas.openxmlformats.org/markup-compatibility/2006" xmlns:p159="http://schemas.microsoft.com/office/powerpoint/2015/09/main">
+    <mc:Choice Requires="p159">
       <p:transition xmlns:p14="http://schemas.microsoft.com/office/powerpoint/2010/main" spd="slow" p14:dur="2000">
         <p159:morph option="byObject"/>
       </p:transition>
     </mc:Choice>
-    <mc:Fallback>
+    <mc:Fallback xmlns="">
       <p:transition spd="slow">
         <p:fade/>
       </p:transition>
@@ -18905,13 +18905,13 @@
   <p:clrMapOvr>
     <a:masterClrMapping/>
   </p:clrMapOvr>
-  <mc:AlternateContent xmlns:mc="http://schemas.openxmlformats.org/markup-compatibility/2006">
-    <mc:Choice xmlns:p159="http://schemas.microsoft.com/office/powerpoint/2015/09/main" Requires="p159">
+  <mc:AlternateContent xmlns:mc="http://schemas.openxmlformats.org/markup-compatibility/2006" xmlns:p159="http://schemas.microsoft.com/office/powerpoint/2015/09/main">
+    <mc:Choice Requires="p159">
       <p:transition xmlns:p14="http://schemas.microsoft.com/office/powerpoint/2010/main" spd="slow" p14:dur="2000">
         <p159:morph option="byObject"/>
       </p:transition>
     </mc:Choice>
-    <mc:Fallback>
+    <mc:Fallback xmlns="">
       <p:transition spd="slow">
         <p:fade/>
       </p:transition>
@@ -19774,13 +19774,13 @@
   <p:clrMapOvr>
     <a:masterClrMapping/>
   </p:clrMapOvr>
-  <mc:AlternateContent xmlns:mc="http://schemas.openxmlformats.org/markup-compatibility/2006">
-    <mc:Choice xmlns:p159="http://schemas.microsoft.com/office/powerpoint/2015/09/main" Requires="p159">
+  <mc:AlternateContent xmlns:mc="http://schemas.openxmlformats.org/markup-compatibility/2006" xmlns:p159="http://schemas.microsoft.com/office/powerpoint/2015/09/main">
+    <mc:Choice Requires="p159">
       <p:transition xmlns:p14="http://schemas.microsoft.com/office/powerpoint/2010/main" spd="slow" p14:dur="2000">
         <p159:morph option="byObject"/>
       </p:transition>
     </mc:Choice>
-    <mc:Fallback>
+    <mc:Fallback xmlns="">
       <p:transition spd="slow">
         <p:fade/>
       </p:transition>
@@ -20474,10 +20474,10 @@
       </p:sp>
       <p:sp>
         <p:nvSpPr>
-          <p:cNvPr id="9" name="Content Placeholder 2">
+          <p:cNvPr id="2" name="Content Placeholder 2">
             <a:extLst>
               <a:ext uri="{FF2B5EF4-FFF2-40B4-BE49-F238E27FC236}">
-                <a16:creationId xmlns:a16="http://schemas.microsoft.com/office/drawing/2014/main" id="{1BAA2200-D85F-420E-D062-0F22A7B86AA2}"/>
+                <a16:creationId xmlns:a16="http://schemas.microsoft.com/office/drawing/2014/main" id="{F3920F8D-29C6-1B82-2C81-77F20A8528C7}"/>
               </a:ext>
             </a:extLst>
           </p:cNvPr>
@@ -20488,7 +20488,7 @@
         </p:nvSpPr>
         <p:spPr>
           <a:xfrm>
-            <a:off x="832531" y="-5146295"/>
+            <a:off x="847771" y="-4845305"/>
             <a:ext cx="10515600" cy="4351338"/>
           </a:xfrm>
           <a:prstGeom prst="rect">
@@ -20690,7 +20690,7 @@
                 <a:ea typeface="+mn-lt"/>
                 <a:cs typeface="+mn-lt"/>
               </a:rPr>
-              <a:t>* Attempts to use Bio-tagging to increase the odds of finding entities/subjects to create questions also was futile.</a:t>
+              <a:t>* Attempts to use Bio-tagging to increase the odds of finding entities/subjects to create questions also were futile</a:t>
             </a:r>
           </a:p>
           <a:p>
@@ -20745,13 +20745,13 @@
   <p:clrMapOvr>
     <a:masterClrMapping/>
   </p:clrMapOvr>
-  <mc:AlternateContent xmlns:mc="http://schemas.openxmlformats.org/markup-compatibility/2006">
-    <mc:Choice xmlns:p159="http://schemas.microsoft.com/office/powerpoint/2015/09/main" Requires="p159">
+  <mc:AlternateContent xmlns:mc="http://schemas.openxmlformats.org/markup-compatibility/2006" xmlns:p159="http://schemas.microsoft.com/office/powerpoint/2015/09/main">
+    <mc:Choice Requires="p159">
       <p:transition xmlns:p14="http://schemas.microsoft.com/office/powerpoint/2010/main" spd="slow" p14:dur="2000">
         <p159:morph option="byObject"/>
       </p:transition>
     </mc:Choice>
-    <mc:Fallback>
+    <mc:Fallback xmlns="">
       <p:transition spd="slow">
         <p:fade/>
       </p:transition>
@@ -22050,10 +22050,10 @@
       </p:pic>
       <p:sp>
         <p:nvSpPr>
-          <p:cNvPr id="16" name="Content Placeholder 2">
+          <p:cNvPr id="17" name="Content Placeholder 2">
             <a:extLst>
               <a:ext uri="{FF2B5EF4-FFF2-40B4-BE49-F238E27FC236}">
-                <a16:creationId xmlns:a16="http://schemas.microsoft.com/office/drawing/2014/main" id="{B69744FA-C653-F8A1-EF1F-3E155B104AA7}"/>
+                <a16:creationId xmlns:a16="http://schemas.microsoft.com/office/drawing/2014/main" id="{5610182C-D4FA-9F73-9A77-98137DBD7B53}"/>
               </a:ext>
             </a:extLst>
           </p:cNvPr>
@@ -22064,7 +22064,7 @@
         </p:nvSpPr>
         <p:spPr>
           <a:xfrm>
-            <a:off x="838200" y="8622665"/>
+            <a:off x="838200" y="10512425"/>
             <a:ext cx="5181600" cy="4351338"/>
           </a:xfrm>
           <a:prstGeom prst="rect">
@@ -22266,7 +22266,7 @@
                 </a:solidFill>
                 <a:latin typeface="Corbel Light"/>
               </a:rPr>
-              <a:t>Loss:</a:t>
+              <a:t>Loss (%):</a:t>
             </a:r>
           </a:p>
           <a:p>
@@ -22327,13 +22327,13 @@
   <p:clrMapOvr>
     <a:masterClrMapping/>
   </p:clrMapOvr>
-  <mc:AlternateContent xmlns:mc="http://schemas.openxmlformats.org/markup-compatibility/2006">
-    <mc:Choice xmlns:p159="http://schemas.microsoft.com/office/powerpoint/2015/09/main" Requires="p159">
+  <mc:AlternateContent xmlns:mc="http://schemas.openxmlformats.org/markup-compatibility/2006" xmlns:p159="http://schemas.microsoft.com/office/powerpoint/2015/09/main">
+    <mc:Choice Requires="p159">
       <p:transition xmlns:p14="http://schemas.microsoft.com/office/powerpoint/2010/main" spd="slow" p14:dur="2000">
         <p159:morph option="byObject"/>
       </p:transition>
     </mc:Choice>
-    <mc:Fallback>
+    <mc:Fallback xmlns="">
       <p:transition spd="slow">
         <p:fade/>
       </p:transition>
@@ -22505,269 +22505,6 @@
       </p:pic>
       <p:sp>
         <p:nvSpPr>
-          <p:cNvPr id="9" name="Content Placeholder 2">
-            <a:extLst>
-              <a:ext uri="{FF2B5EF4-FFF2-40B4-BE49-F238E27FC236}">
-                <a16:creationId xmlns:a16="http://schemas.microsoft.com/office/drawing/2014/main" id="{31E9E18A-59CA-0868-B99A-ACF7B6FC2DC1}"/>
-              </a:ext>
-            </a:extLst>
-          </p:cNvPr>
-          <p:cNvSpPr txBox="1">
-            <a:spLocks/>
-          </p:cNvSpPr>
-          <p:nvPr/>
-        </p:nvSpPr>
-        <p:spPr>
-          <a:xfrm>
-            <a:off x="847771" y="10853359"/>
-            <a:ext cx="10515600" cy="4351338"/>
-          </a:xfrm>
-          <a:prstGeom prst="rect">
-            <a:avLst/>
-          </a:prstGeom>
-        </p:spPr>
-        <p:txBody>
-          <a:bodyPr vert="horz" lIns="91440" tIns="45720" rIns="91440" bIns="45720" rtlCol="0" anchor="ctr">
-            <a:normAutofit lnSpcReduction="10000"/>
-          </a:bodyPr>
-          <a:lstStyle>
-            <a:lvl1pPr marL="0" indent="0" algn="ctr" defTabSz="914400" rtl="0" eaLnBrk="1" latinLnBrk="0" hangingPunct="1">
-              <a:lnSpc>
-                <a:spcPct val="90000"/>
-              </a:lnSpc>
-              <a:spcBef>
-                <a:spcPts val="1000"/>
-              </a:spcBef>
-              <a:buFont typeface="Arial" panose="020B0604020202020204" pitchFamily="34" charset="0"/>
-              <a:buNone/>
-              <a:defRPr sz="2400" kern="1200">
-                <a:solidFill>
-                  <a:schemeClr val="bg1"/>
-                </a:solidFill>
-                <a:latin typeface="Corbel Light" panose="020B0303020204020204" pitchFamily="34" charset="0"/>
-                <a:ea typeface="+mn-ea"/>
-                <a:cs typeface="+mn-cs"/>
-              </a:defRPr>
-            </a:lvl1pPr>
-            <a:lvl2pPr marL="457200" indent="0" algn="ctr" defTabSz="914400" rtl="0" eaLnBrk="1" latinLnBrk="0" hangingPunct="1">
-              <a:lnSpc>
-                <a:spcPct val="90000"/>
-              </a:lnSpc>
-              <a:spcBef>
-                <a:spcPts val="500"/>
-              </a:spcBef>
-              <a:buFont typeface="Arial" panose="020B0604020202020204" pitchFamily="34" charset="0"/>
-              <a:buNone/>
-              <a:defRPr sz="2000" kern="1200">
-                <a:solidFill>
-                  <a:schemeClr val="bg1"/>
-                </a:solidFill>
-                <a:latin typeface="Corbel Light" panose="020B0303020204020204" pitchFamily="34" charset="0"/>
-                <a:ea typeface="+mn-ea"/>
-                <a:cs typeface="+mn-cs"/>
-              </a:defRPr>
-            </a:lvl2pPr>
-            <a:lvl3pPr marL="914400" indent="0" algn="ctr" defTabSz="914400" rtl="0" eaLnBrk="1" latinLnBrk="0" hangingPunct="1">
-              <a:lnSpc>
-                <a:spcPct val="90000"/>
-              </a:lnSpc>
-              <a:spcBef>
-                <a:spcPts val="500"/>
-              </a:spcBef>
-              <a:buFont typeface="Arial" panose="020B0604020202020204" pitchFamily="34" charset="0"/>
-              <a:buNone/>
-              <a:defRPr sz="1800" kern="1200">
-                <a:solidFill>
-                  <a:schemeClr val="bg1"/>
-                </a:solidFill>
-                <a:latin typeface="Corbel Light" panose="020B0303020204020204" pitchFamily="34" charset="0"/>
-                <a:ea typeface="+mn-ea"/>
-                <a:cs typeface="+mn-cs"/>
-              </a:defRPr>
-            </a:lvl3pPr>
-            <a:lvl4pPr marL="1371600" indent="0" algn="ctr" defTabSz="914400" rtl="0" eaLnBrk="1" latinLnBrk="0" hangingPunct="1">
-              <a:lnSpc>
-                <a:spcPct val="90000"/>
-              </a:lnSpc>
-              <a:spcBef>
-                <a:spcPts val="500"/>
-              </a:spcBef>
-              <a:buFont typeface="Arial" panose="020B0604020202020204" pitchFamily="34" charset="0"/>
-              <a:buNone/>
-              <a:defRPr sz="1600" kern="1200">
-                <a:solidFill>
-                  <a:schemeClr val="bg1"/>
-                </a:solidFill>
-                <a:latin typeface="Corbel Light" panose="020B0303020204020204" pitchFamily="34" charset="0"/>
-                <a:ea typeface="+mn-ea"/>
-                <a:cs typeface="+mn-cs"/>
-              </a:defRPr>
-            </a:lvl4pPr>
-            <a:lvl5pPr marL="1828800" indent="0" algn="ctr" defTabSz="914400" rtl="0" eaLnBrk="1" latinLnBrk="0" hangingPunct="1">
-              <a:lnSpc>
-                <a:spcPct val="90000"/>
-              </a:lnSpc>
-              <a:spcBef>
-                <a:spcPts val="500"/>
-              </a:spcBef>
-              <a:buFont typeface="Arial" panose="020B0604020202020204" pitchFamily="34" charset="0"/>
-              <a:buNone/>
-              <a:defRPr sz="1600" kern="1200">
-                <a:solidFill>
-                  <a:schemeClr val="bg1"/>
-                </a:solidFill>
-                <a:latin typeface="Corbel Light" panose="020B0303020204020204" pitchFamily="34" charset="0"/>
-                <a:ea typeface="+mn-ea"/>
-                <a:cs typeface="+mn-cs"/>
-              </a:defRPr>
-            </a:lvl5pPr>
-            <a:lvl6pPr marL="2286000" indent="0" algn="ctr" defTabSz="914400" rtl="0" eaLnBrk="1" latinLnBrk="0" hangingPunct="1">
-              <a:lnSpc>
-                <a:spcPct val="90000"/>
-              </a:lnSpc>
-              <a:spcBef>
-                <a:spcPts val="500"/>
-              </a:spcBef>
-              <a:buFont typeface="Arial" panose="020B0604020202020204" pitchFamily="34" charset="0"/>
-              <a:buNone/>
-              <a:defRPr sz="1600" kern="1200">
-                <a:solidFill>
-                  <a:schemeClr val="tx1"/>
-                </a:solidFill>
-                <a:latin typeface="+mn-lt"/>
-                <a:ea typeface="+mn-ea"/>
-                <a:cs typeface="+mn-cs"/>
-              </a:defRPr>
-            </a:lvl6pPr>
-            <a:lvl7pPr marL="2743200" indent="0" algn="ctr" defTabSz="914400" rtl="0" eaLnBrk="1" latinLnBrk="0" hangingPunct="1">
-              <a:lnSpc>
-                <a:spcPct val="90000"/>
-              </a:lnSpc>
-              <a:spcBef>
-                <a:spcPts val="500"/>
-              </a:spcBef>
-              <a:buFont typeface="Arial" panose="020B0604020202020204" pitchFamily="34" charset="0"/>
-              <a:buNone/>
-              <a:defRPr sz="1600" kern="1200">
-                <a:solidFill>
-                  <a:schemeClr val="tx1"/>
-                </a:solidFill>
-                <a:latin typeface="+mn-lt"/>
-                <a:ea typeface="+mn-ea"/>
-                <a:cs typeface="+mn-cs"/>
-              </a:defRPr>
-            </a:lvl7pPr>
-            <a:lvl8pPr marL="3200400" indent="0" algn="ctr" defTabSz="914400" rtl="0" eaLnBrk="1" latinLnBrk="0" hangingPunct="1">
-              <a:lnSpc>
-                <a:spcPct val="90000"/>
-              </a:lnSpc>
-              <a:spcBef>
-                <a:spcPts val="500"/>
-              </a:spcBef>
-              <a:buFont typeface="Arial" panose="020B0604020202020204" pitchFamily="34" charset="0"/>
-              <a:buNone/>
-              <a:defRPr sz="1600" kern="1200">
-                <a:solidFill>
-                  <a:schemeClr val="tx1"/>
-                </a:solidFill>
-                <a:latin typeface="+mn-lt"/>
-                <a:ea typeface="+mn-ea"/>
-                <a:cs typeface="+mn-cs"/>
-              </a:defRPr>
-            </a:lvl8pPr>
-            <a:lvl9pPr marL="3657600" indent="0" algn="ctr" defTabSz="914400" rtl="0" eaLnBrk="1" latinLnBrk="0" hangingPunct="1">
-              <a:lnSpc>
-                <a:spcPct val="90000"/>
-              </a:lnSpc>
-              <a:spcBef>
-                <a:spcPts val="500"/>
-              </a:spcBef>
-              <a:buFont typeface="Arial" panose="020B0604020202020204" pitchFamily="34" charset="0"/>
-              <a:buNone/>
-              <a:defRPr sz="1600" kern="1200">
-                <a:solidFill>
-                  <a:schemeClr val="tx1"/>
-                </a:solidFill>
-                <a:latin typeface="+mn-lt"/>
-                <a:ea typeface="+mn-ea"/>
-                <a:cs typeface="+mn-cs"/>
-              </a:defRPr>
-            </a:lvl9pPr>
-          </a:lstStyle>
-          <a:p>
-            <a:pPr algn="l"/>
-            <a:endParaRPr lang="en-US" sz="2800">
-              <a:ea typeface="+mn-lt"/>
-              <a:cs typeface="+mn-lt"/>
-            </a:endParaRPr>
-          </a:p>
-          <a:p>
-            <a:pPr algn="l"/>
-            <a:r>
-              <a:rPr lang="en-US" sz="2800">
-                <a:ea typeface="+mn-lt"/>
-                <a:cs typeface="+mn-lt"/>
-              </a:rPr>
-              <a:t>Large weakness in using NER as it struggled to see several important words like "ODLC" and additional usage of TF-IDF did not catch this issue. </a:t>
-            </a:r>
-          </a:p>
-          <a:p>
-            <a:pPr lvl="1" algn="l"/>
-            <a:r>
-              <a:rPr lang="en-US" sz="2400">
-                <a:solidFill>
-                  <a:srgbClr val="FFC000"/>
-                </a:solidFill>
-                <a:ea typeface="+mn-lt"/>
-                <a:cs typeface="+mn-lt"/>
-              </a:rPr>
-              <a:t>* Attempts to use Bio-tagging to increase the odds of finding entities/subjects to create questions also was futile.</a:t>
-            </a:r>
-          </a:p>
-          <a:p>
-            <a:pPr algn="l"/>
-            <a:r>
-              <a:rPr lang="en-US" sz="2800">
-                <a:ea typeface="+mn-lt"/>
-                <a:cs typeface="+mn-lt"/>
-              </a:rPr>
-              <a:t>Limitation in the specific domain unless an extreme amount of Aerospace specific paperwork can be used</a:t>
-            </a:r>
-          </a:p>
-          <a:p>
-            <a:pPr algn="l"/>
-            <a:r>
-              <a:rPr lang="en-US" sz="2800">
-                <a:ea typeface="+mn-lt"/>
-                <a:cs typeface="+mn-lt"/>
-              </a:rPr>
-              <a:t>Emphasis in the necessary need for RAG, or Retrieval-Augmented Generation</a:t>
-            </a:r>
-          </a:p>
-          <a:p>
-            <a:pPr lvl="1" algn="l"/>
-            <a:r>
-              <a:rPr lang="en-US" sz="2400">
-                <a:solidFill>
-                  <a:srgbClr val="FFC000"/>
-                </a:solidFill>
-                <a:ea typeface="+mn-lt"/>
-                <a:cs typeface="+mn-lt"/>
-              </a:rPr>
-              <a:t>* The process of optimizing the output of a large language model</a:t>
-            </a:r>
-          </a:p>
-          <a:p>
-            <a:pPr lvl="2" algn="l"/>
-            <a:endParaRPr lang="en-US" sz="2000">
-              <a:ea typeface="+mn-lt"/>
-              <a:cs typeface="+mn-lt"/>
-            </a:endParaRPr>
-          </a:p>
-        </p:txBody>
-      </p:sp>
-      <p:sp>
-        <p:nvSpPr>
           <p:cNvPr id="10" name="Title 1">
             <a:extLst>
               <a:ext uri="{FF2B5EF4-FFF2-40B4-BE49-F238E27FC236}">
@@ -23465,6 +23202,269 @@
           </a:p>
         </p:txBody>
       </p:sp>
+      <p:sp>
+        <p:nvSpPr>
+          <p:cNvPr id="2" name="Content Placeholder 2">
+            <a:extLst>
+              <a:ext uri="{FF2B5EF4-FFF2-40B4-BE49-F238E27FC236}">
+                <a16:creationId xmlns:a16="http://schemas.microsoft.com/office/drawing/2014/main" id="{C2D5BA40-193F-719F-8FD1-6D2C84354F2D}"/>
+              </a:ext>
+            </a:extLst>
+          </p:cNvPr>
+          <p:cNvSpPr txBox="1">
+            <a:spLocks/>
+          </p:cNvSpPr>
+          <p:nvPr/>
+        </p:nvSpPr>
+        <p:spPr>
+          <a:xfrm>
+            <a:off x="1000171" y="10366120"/>
+            <a:ext cx="10515600" cy="4351338"/>
+          </a:xfrm>
+          <a:prstGeom prst="rect">
+            <a:avLst/>
+          </a:prstGeom>
+        </p:spPr>
+        <p:txBody>
+          <a:bodyPr vert="horz" lIns="91440" tIns="45720" rIns="91440" bIns="45720" rtlCol="0" anchor="ctr">
+            <a:normAutofit lnSpcReduction="10000"/>
+          </a:bodyPr>
+          <a:lstStyle>
+            <a:lvl1pPr marL="0" indent="0" algn="ctr" defTabSz="914400" rtl="0" eaLnBrk="1" latinLnBrk="0" hangingPunct="1">
+              <a:lnSpc>
+                <a:spcPct val="90000"/>
+              </a:lnSpc>
+              <a:spcBef>
+                <a:spcPts val="1000"/>
+              </a:spcBef>
+              <a:buFont typeface="Arial" panose="020B0604020202020204" pitchFamily="34" charset="0"/>
+              <a:buNone/>
+              <a:defRPr sz="2400" kern="1200">
+                <a:solidFill>
+                  <a:schemeClr val="bg1"/>
+                </a:solidFill>
+                <a:latin typeface="Corbel Light" panose="020B0303020204020204" pitchFamily="34" charset="0"/>
+                <a:ea typeface="+mn-ea"/>
+                <a:cs typeface="+mn-cs"/>
+              </a:defRPr>
+            </a:lvl1pPr>
+            <a:lvl2pPr marL="457200" indent="0" algn="ctr" defTabSz="914400" rtl="0" eaLnBrk="1" latinLnBrk="0" hangingPunct="1">
+              <a:lnSpc>
+                <a:spcPct val="90000"/>
+              </a:lnSpc>
+              <a:spcBef>
+                <a:spcPts val="500"/>
+              </a:spcBef>
+              <a:buFont typeface="Arial" panose="020B0604020202020204" pitchFamily="34" charset="0"/>
+              <a:buNone/>
+              <a:defRPr sz="2000" kern="1200">
+                <a:solidFill>
+                  <a:schemeClr val="bg1"/>
+                </a:solidFill>
+                <a:latin typeface="Corbel Light" panose="020B0303020204020204" pitchFamily="34" charset="0"/>
+                <a:ea typeface="+mn-ea"/>
+                <a:cs typeface="+mn-cs"/>
+              </a:defRPr>
+            </a:lvl2pPr>
+            <a:lvl3pPr marL="914400" indent="0" algn="ctr" defTabSz="914400" rtl="0" eaLnBrk="1" latinLnBrk="0" hangingPunct="1">
+              <a:lnSpc>
+                <a:spcPct val="90000"/>
+              </a:lnSpc>
+              <a:spcBef>
+                <a:spcPts val="500"/>
+              </a:spcBef>
+              <a:buFont typeface="Arial" panose="020B0604020202020204" pitchFamily="34" charset="0"/>
+              <a:buNone/>
+              <a:defRPr sz="1800" kern="1200">
+                <a:solidFill>
+                  <a:schemeClr val="bg1"/>
+                </a:solidFill>
+                <a:latin typeface="Corbel Light" panose="020B0303020204020204" pitchFamily="34" charset="0"/>
+                <a:ea typeface="+mn-ea"/>
+                <a:cs typeface="+mn-cs"/>
+              </a:defRPr>
+            </a:lvl3pPr>
+            <a:lvl4pPr marL="1371600" indent="0" algn="ctr" defTabSz="914400" rtl="0" eaLnBrk="1" latinLnBrk="0" hangingPunct="1">
+              <a:lnSpc>
+                <a:spcPct val="90000"/>
+              </a:lnSpc>
+              <a:spcBef>
+                <a:spcPts val="500"/>
+              </a:spcBef>
+              <a:buFont typeface="Arial" panose="020B0604020202020204" pitchFamily="34" charset="0"/>
+              <a:buNone/>
+              <a:defRPr sz="1600" kern="1200">
+                <a:solidFill>
+                  <a:schemeClr val="bg1"/>
+                </a:solidFill>
+                <a:latin typeface="Corbel Light" panose="020B0303020204020204" pitchFamily="34" charset="0"/>
+                <a:ea typeface="+mn-ea"/>
+                <a:cs typeface="+mn-cs"/>
+              </a:defRPr>
+            </a:lvl4pPr>
+            <a:lvl5pPr marL="1828800" indent="0" algn="ctr" defTabSz="914400" rtl="0" eaLnBrk="1" latinLnBrk="0" hangingPunct="1">
+              <a:lnSpc>
+                <a:spcPct val="90000"/>
+              </a:lnSpc>
+              <a:spcBef>
+                <a:spcPts val="500"/>
+              </a:spcBef>
+              <a:buFont typeface="Arial" panose="020B0604020202020204" pitchFamily="34" charset="0"/>
+              <a:buNone/>
+              <a:defRPr sz="1600" kern="1200">
+                <a:solidFill>
+                  <a:schemeClr val="bg1"/>
+                </a:solidFill>
+                <a:latin typeface="Corbel Light" panose="020B0303020204020204" pitchFamily="34" charset="0"/>
+                <a:ea typeface="+mn-ea"/>
+                <a:cs typeface="+mn-cs"/>
+              </a:defRPr>
+            </a:lvl5pPr>
+            <a:lvl6pPr marL="2286000" indent="0" algn="ctr" defTabSz="914400" rtl="0" eaLnBrk="1" latinLnBrk="0" hangingPunct="1">
+              <a:lnSpc>
+                <a:spcPct val="90000"/>
+              </a:lnSpc>
+              <a:spcBef>
+                <a:spcPts val="500"/>
+              </a:spcBef>
+              <a:buFont typeface="Arial" panose="020B0604020202020204" pitchFamily="34" charset="0"/>
+              <a:buNone/>
+              <a:defRPr sz="1600" kern="1200">
+                <a:solidFill>
+                  <a:schemeClr val="tx1"/>
+                </a:solidFill>
+                <a:latin typeface="+mn-lt"/>
+                <a:ea typeface="+mn-ea"/>
+                <a:cs typeface="+mn-cs"/>
+              </a:defRPr>
+            </a:lvl6pPr>
+            <a:lvl7pPr marL="2743200" indent="0" algn="ctr" defTabSz="914400" rtl="0" eaLnBrk="1" latinLnBrk="0" hangingPunct="1">
+              <a:lnSpc>
+                <a:spcPct val="90000"/>
+              </a:lnSpc>
+              <a:spcBef>
+                <a:spcPts val="500"/>
+              </a:spcBef>
+              <a:buFont typeface="Arial" panose="020B0604020202020204" pitchFamily="34" charset="0"/>
+              <a:buNone/>
+              <a:defRPr sz="1600" kern="1200">
+                <a:solidFill>
+                  <a:schemeClr val="tx1"/>
+                </a:solidFill>
+                <a:latin typeface="+mn-lt"/>
+                <a:ea typeface="+mn-ea"/>
+                <a:cs typeface="+mn-cs"/>
+              </a:defRPr>
+            </a:lvl7pPr>
+            <a:lvl8pPr marL="3200400" indent="0" algn="ctr" defTabSz="914400" rtl="0" eaLnBrk="1" latinLnBrk="0" hangingPunct="1">
+              <a:lnSpc>
+                <a:spcPct val="90000"/>
+              </a:lnSpc>
+              <a:spcBef>
+                <a:spcPts val="500"/>
+              </a:spcBef>
+              <a:buFont typeface="Arial" panose="020B0604020202020204" pitchFamily="34" charset="0"/>
+              <a:buNone/>
+              <a:defRPr sz="1600" kern="1200">
+                <a:solidFill>
+                  <a:schemeClr val="tx1"/>
+                </a:solidFill>
+                <a:latin typeface="+mn-lt"/>
+                <a:ea typeface="+mn-ea"/>
+                <a:cs typeface="+mn-cs"/>
+              </a:defRPr>
+            </a:lvl8pPr>
+            <a:lvl9pPr marL="3657600" indent="0" algn="ctr" defTabSz="914400" rtl="0" eaLnBrk="1" latinLnBrk="0" hangingPunct="1">
+              <a:lnSpc>
+                <a:spcPct val="90000"/>
+              </a:lnSpc>
+              <a:spcBef>
+                <a:spcPts val="500"/>
+              </a:spcBef>
+              <a:buFont typeface="Arial" panose="020B0604020202020204" pitchFamily="34" charset="0"/>
+              <a:buNone/>
+              <a:defRPr sz="1600" kern="1200">
+                <a:solidFill>
+                  <a:schemeClr val="tx1"/>
+                </a:solidFill>
+                <a:latin typeface="+mn-lt"/>
+                <a:ea typeface="+mn-ea"/>
+                <a:cs typeface="+mn-cs"/>
+              </a:defRPr>
+            </a:lvl9pPr>
+          </a:lstStyle>
+          <a:p>
+            <a:pPr algn="l"/>
+            <a:endParaRPr lang="en-US" sz="2800" dirty="0">
+              <a:ea typeface="+mn-lt"/>
+              <a:cs typeface="+mn-lt"/>
+            </a:endParaRPr>
+          </a:p>
+          <a:p>
+            <a:pPr algn="l"/>
+            <a:r>
+              <a:rPr lang="en-US" sz="2800" dirty="0">
+                <a:ea typeface="+mn-lt"/>
+                <a:cs typeface="+mn-lt"/>
+              </a:rPr>
+              <a:t>Large weakness in using NER as it struggled to see several important words like "ODLC" and additional usage of TF-IDF did not catch this issue. </a:t>
+            </a:r>
+          </a:p>
+          <a:p>
+            <a:pPr lvl="1" algn="l"/>
+            <a:r>
+              <a:rPr lang="en-US" sz="2400" dirty="0">
+                <a:solidFill>
+                  <a:srgbClr val="FFC000"/>
+                </a:solidFill>
+                <a:ea typeface="+mn-lt"/>
+                <a:cs typeface="+mn-lt"/>
+              </a:rPr>
+              <a:t>* Attempts to use Bio-tagging to increase the odds of finding entities/subjects to create questions also were futile</a:t>
+            </a:r>
+          </a:p>
+          <a:p>
+            <a:pPr algn="l"/>
+            <a:r>
+              <a:rPr lang="en-US" sz="2800" dirty="0">
+                <a:ea typeface="+mn-lt"/>
+                <a:cs typeface="+mn-lt"/>
+              </a:rPr>
+              <a:t>Limitation in the specific domain unless an extreme amount of Aerospace specific paperwork can be used</a:t>
+            </a:r>
+          </a:p>
+          <a:p>
+            <a:pPr algn="l"/>
+            <a:r>
+              <a:rPr lang="en-US" sz="2800" dirty="0">
+                <a:ea typeface="+mn-lt"/>
+                <a:cs typeface="+mn-lt"/>
+              </a:rPr>
+              <a:t>Emphasis in the necessary need for RAG, or Retrieval-Augmented Generation</a:t>
+            </a:r>
+          </a:p>
+          <a:p>
+            <a:pPr lvl="1" algn="l"/>
+            <a:r>
+              <a:rPr lang="en-US" sz="2400" dirty="0">
+                <a:solidFill>
+                  <a:srgbClr val="FFC000"/>
+                </a:solidFill>
+                <a:ea typeface="+mn-lt"/>
+                <a:cs typeface="+mn-lt"/>
+              </a:rPr>
+              <a:t>* The process of optimizing the output of a large language model</a:t>
+            </a:r>
+          </a:p>
+          <a:p>
+            <a:pPr lvl="2" algn="l"/>
+            <a:endParaRPr lang="en-US" sz="2000" dirty="0">
+              <a:ea typeface="+mn-lt"/>
+              <a:cs typeface="+mn-lt"/>
+            </a:endParaRPr>
+          </a:p>
+        </p:txBody>
+      </p:sp>
     </p:spTree>
     <p:extLst>
       <p:ext uri="{BB962C8B-B14F-4D97-AF65-F5344CB8AC3E}">
@@ -23475,13 +23475,13 @@
   <p:clrMapOvr>
     <a:masterClrMapping/>
   </p:clrMapOvr>
-  <mc:AlternateContent xmlns:mc="http://schemas.openxmlformats.org/markup-compatibility/2006">
-    <mc:Choice xmlns:p159="http://schemas.microsoft.com/office/powerpoint/2015/09/main" Requires="p159">
+  <mc:AlternateContent xmlns:mc="http://schemas.openxmlformats.org/markup-compatibility/2006" xmlns:p159="http://schemas.microsoft.com/office/powerpoint/2015/09/main">
+    <mc:Choice Requires="p159">
       <p:transition xmlns:p14="http://schemas.microsoft.com/office/powerpoint/2010/main" spd="slow" p14:dur="2000">
         <p159:morph option="byObject"/>
       </p:transition>
     </mc:Choice>
-    <mc:Fallback>
+    <mc:Fallback xmlns="">
       <p:transition spd="slow">
         <p:fade/>
       </p:transition>
@@ -24624,13 +24624,13 @@
   <p:clrMapOvr>
     <a:masterClrMapping/>
   </p:clrMapOvr>
-  <mc:AlternateContent xmlns:mc="http://schemas.openxmlformats.org/markup-compatibility/2006">
-    <mc:Choice xmlns:p159="http://schemas.microsoft.com/office/powerpoint/2015/09/main" Requires="p159">
+  <mc:AlternateContent xmlns:mc="http://schemas.openxmlformats.org/markup-compatibility/2006" xmlns:p159="http://schemas.microsoft.com/office/powerpoint/2015/09/main">
+    <mc:Choice Requires="p159">
       <p:transition xmlns:p14="http://schemas.microsoft.com/office/powerpoint/2010/main" spd="slow" p14:dur="2000">
         <p159:morph option="byObject"/>
       </p:transition>
     </mc:Choice>
-    <mc:Fallback>
+    <mc:Fallback xmlns="">
       <p:transition spd="slow">
         <p:fade/>
       </p:transition>
@@ -25787,13 +25787,13 @@
   <p:clrMapOvr>
     <a:masterClrMapping/>
   </p:clrMapOvr>
-  <mc:AlternateContent xmlns:mc="http://schemas.openxmlformats.org/markup-compatibility/2006">
-    <mc:Choice xmlns:p159="http://schemas.microsoft.com/office/powerpoint/2015/09/main" Requires="p159">
+  <mc:AlternateContent xmlns:mc="http://schemas.openxmlformats.org/markup-compatibility/2006" xmlns:p159="http://schemas.microsoft.com/office/powerpoint/2015/09/main">
+    <mc:Choice Requires="p159">
       <p:transition xmlns:p14="http://schemas.microsoft.com/office/powerpoint/2010/main" spd="slow" p14:dur="2000">
         <p159:morph option="byObject"/>
       </p:transition>
     </mc:Choice>
-    <mc:Fallback>
+    <mc:Fallback xmlns="">
       <p:transition spd="slow">
         <p:fade/>
       </p:transition>
@@ -27041,13 +27041,13 @@
   <p:clrMapOvr>
     <a:masterClrMapping/>
   </p:clrMapOvr>
-  <mc:AlternateContent xmlns:mc="http://schemas.openxmlformats.org/markup-compatibility/2006">
-    <mc:Choice xmlns:p159="http://schemas.microsoft.com/office/powerpoint/2015/09/main" Requires="p159">
+  <mc:AlternateContent xmlns:mc="http://schemas.openxmlformats.org/markup-compatibility/2006" xmlns:p159="http://schemas.microsoft.com/office/powerpoint/2015/09/main">
+    <mc:Choice Requires="p159">
       <p:transition xmlns:p14="http://schemas.microsoft.com/office/powerpoint/2010/main" spd="slow" p14:dur="2000">
         <p159:morph option="byObject"/>
       </p:transition>
     </mc:Choice>
-    <mc:Fallback>
+    <mc:Fallback xmlns="">
       <p:transition spd="slow">
         <p:fade/>
       </p:transition>
@@ -28582,13 +28582,13 @@
   <p:clrMapOvr>
     <a:masterClrMapping/>
   </p:clrMapOvr>
-  <mc:AlternateContent xmlns:mc="http://schemas.openxmlformats.org/markup-compatibility/2006">
-    <mc:Choice xmlns:p159="http://schemas.microsoft.com/office/powerpoint/2015/09/main" Requires="p159">
+  <mc:AlternateContent xmlns:mc="http://schemas.openxmlformats.org/markup-compatibility/2006" xmlns:p159="http://schemas.microsoft.com/office/powerpoint/2015/09/main">
+    <mc:Choice Requires="p159">
       <p:transition xmlns:p14="http://schemas.microsoft.com/office/powerpoint/2010/main" spd="slow" p14:dur="2000">
         <p159:morph option="byObject"/>
       </p:transition>
     </mc:Choice>
-    <mc:Fallback>
+    <mc:Fallback xmlns="">
       <p:transition spd="slow">
         <p:fade/>
       </p:transition>
@@ -29079,7 +29079,7 @@
         </p:spPr>
         <p:txBody>
           <a:bodyPr vert="horz" lIns="91440" tIns="45720" rIns="91440" bIns="45720" rtlCol="0" anchor="ctr">
-            <a:normAutofit/>
+            <a:normAutofit fontScale="92500"/>
           </a:bodyPr>
           <a:lstStyle>
             <a:lvl1pPr marL="0" indent="0" algn="ctr" defTabSz="914400" rtl="0" eaLnBrk="1" latinLnBrk="0" hangingPunct="1">
@@ -29932,7 +29932,7 @@
         </p:spPr>
         <p:txBody>
           <a:bodyPr vert="horz" lIns="91440" tIns="45720" rIns="91440" bIns="45720" rtlCol="0" anchor="ctr">
-            <a:normAutofit/>
+            <a:normAutofit fontScale="92500"/>
           </a:bodyPr>
           <a:lstStyle>
             <a:lvl1pPr marL="0" indent="0" algn="ctr" defTabSz="914400" rtl="0" eaLnBrk="1" latinLnBrk="0" hangingPunct="1">
@@ -30977,13 +30977,13 @@
   <p:clrMapOvr>
     <a:masterClrMapping/>
   </p:clrMapOvr>
-  <mc:AlternateContent xmlns:mc="http://schemas.openxmlformats.org/markup-compatibility/2006">
-    <mc:Choice xmlns:p159="http://schemas.microsoft.com/office/powerpoint/2015/09/main" Requires="p159">
+  <mc:AlternateContent xmlns:mc="http://schemas.openxmlformats.org/markup-compatibility/2006" xmlns:p159="http://schemas.microsoft.com/office/powerpoint/2015/09/main">
+    <mc:Choice Requires="p159">
       <p:transition xmlns:p14="http://schemas.microsoft.com/office/powerpoint/2010/main" spd="slow" p14:dur="2000">
         <p159:morph option="byObject"/>
       </p:transition>
     </mc:Choice>
-    <mc:Fallback>
+    <mc:Fallback xmlns="">
       <p:transition spd="slow">
         <p:fade/>
       </p:transition>
@@ -31788,13 +31788,13 @@
   <p:clrMapOvr>
     <a:masterClrMapping/>
   </p:clrMapOvr>
-  <mc:AlternateContent xmlns:mc="http://schemas.openxmlformats.org/markup-compatibility/2006">
-    <mc:Choice xmlns:p159="http://schemas.microsoft.com/office/powerpoint/2015/09/main" Requires="p159">
+  <mc:AlternateContent xmlns:mc="http://schemas.openxmlformats.org/markup-compatibility/2006" xmlns:p159="http://schemas.microsoft.com/office/powerpoint/2015/09/main">
+    <mc:Choice Requires="p159">
       <p:transition xmlns:p14="http://schemas.microsoft.com/office/powerpoint/2010/main" spd="slow" p14:dur="2000">
         <p159:morph option="byObject"/>
       </p:transition>
     </mc:Choice>
-    <mc:Fallback>
+    <mc:Fallback xmlns="">
       <p:transition spd="slow">
         <p:fade/>
       </p:transition>
@@ -32932,13 +32932,13 @@
   <p:clrMapOvr>
     <a:masterClrMapping/>
   </p:clrMapOvr>
-  <mc:AlternateContent xmlns:mc="http://schemas.openxmlformats.org/markup-compatibility/2006">
-    <mc:Choice xmlns:p159="http://schemas.microsoft.com/office/powerpoint/2015/09/main" Requires="p159">
+  <mc:AlternateContent xmlns:mc="http://schemas.openxmlformats.org/markup-compatibility/2006" xmlns:p159="http://schemas.microsoft.com/office/powerpoint/2015/09/main">
+    <mc:Choice Requires="p159">
       <p:transition xmlns:p14="http://schemas.microsoft.com/office/powerpoint/2010/main" spd="slow" p14:dur="2000">
         <p159:morph option="byObject"/>
       </p:transition>
     </mc:Choice>
-    <mc:Fallback>
+    <mc:Fallback xmlns="">
       <p:transition spd="slow">
         <p:fade/>
       </p:transition>
@@ -34056,13 +34056,13 @@
   <p:clrMapOvr>
     <a:masterClrMapping/>
   </p:clrMapOvr>
-  <mc:AlternateContent xmlns:mc="http://schemas.openxmlformats.org/markup-compatibility/2006">
-    <mc:Choice xmlns:p159="http://schemas.microsoft.com/office/powerpoint/2015/09/main" Requires="p159">
+  <mc:AlternateContent xmlns:mc="http://schemas.openxmlformats.org/markup-compatibility/2006" xmlns:p159="http://schemas.microsoft.com/office/powerpoint/2015/09/main">
+    <mc:Choice Requires="p159">
       <p:transition xmlns:p14="http://schemas.microsoft.com/office/powerpoint/2010/main" spd="slow" p14:dur="2000">
         <p159:morph option="byObject"/>
       </p:transition>
     </mc:Choice>
-    <mc:Fallback>
+    <mc:Fallback xmlns="">
       <p:transition spd="slow">
         <p:fade/>
       </p:transition>
@@ -35170,13 +35170,13 @@
   <p:clrMapOvr>
     <a:masterClrMapping/>
   </p:clrMapOvr>
-  <mc:AlternateContent xmlns:mc="http://schemas.openxmlformats.org/markup-compatibility/2006">
-    <mc:Choice xmlns:p159="http://schemas.microsoft.com/office/powerpoint/2015/09/main" Requires="p159">
+  <mc:AlternateContent xmlns:mc="http://schemas.openxmlformats.org/markup-compatibility/2006" xmlns:p159="http://schemas.microsoft.com/office/powerpoint/2015/09/main">
+    <mc:Choice Requires="p159">
       <p:transition xmlns:p14="http://schemas.microsoft.com/office/powerpoint/2010/main" spd="slow" p14:dur="2000">
         <p159:morph option="byObject"/>
       </p:transition>
     </mc:Choice>
-    <mc:Fallback>
+    <mc:Fallback xmlns="">
       <p:transition spd="slow">
         <p:fade/>
       </p:transition>
@@ -36271,13 +36271,13 @@
   <p:clrMapOvr>
     <a:masterClrMapping/>
   </p:clrMapOvr>
-  <mc:AlternateContent xmlns:mc="http://schemas.openxmlformats.org/markup-compatibility/2006">
-    <mc:Choice xmlns:p159="http://schemas.microsoft.com/office/powerpoint/2015/09/main" Requires="p159">
+  <mc:AlternateContent xmlns:mc="http://schemas.openxmlformats.org/markup-compatibility/2006" xmlns:p159="http://schemas.microsoft.com/office/powerpoint/2015/09/main">
+    <mc:Choice Requires="p159">
       <p:transition xmlns:p14="http://schemas.microsoft.com/office/powerpoint/2010/main" spd="slow" p14:dur="2000">
         <p159:morph option="byObject"/>
       </p:transition>
     </mc:Choice>
-    <mc:Fallback>
+    <mc:Fallback xmlns="">
       <p:transition spd="slow">
         <p:fade/>
       </p:transition>
@@ -37078,13 +37078,13 @@
   <p:clrMapOvr>
     <a:masterClrMapping/>
   </p:clrMapOvr>
-  <mc:AlternateContent xmlns:mc="http://schemas.openxmlformats.org/markup-compatibility/2006">
-    <mc:Choice xmlns:p159="http://schemas.microsoft.com/office/powerpoint/2015/09/main" Requires="p159">
+  <mc:AlternateContent xmlns:mc="http://schemas.openxmlformats.org/markup-compatibility/2006" xmlns:p159="http://schemas.microsoft.com/office/powerpoint/2015/09/main">
+    <mc:Choice Requires="p159">
       <p:transition xmlns:p14="http://schemas.microsoft.com/office/powerpoint/2010/main" spd="slow" p14:dur="2000">
         <p159:morph option="byObject"/>
       </p:transition>
     </mc:Choice>
-    <mc:Fallback>
+    <mc:Fallback xmlns="">
       <p:transition spd="slow">
         <p:fade/>
       </p:transition>
